--- a/ppt 16-9/1142.自伯大尼.pptx
+++ b/ppt 16-9/1142.自伯大尼.pptx
@@ -5,7 +5,7 @@
     <p:sldMasterId id="2147483648" r:id="rId1"/>
   </p:sldMasterIdLst>
   <p:sldIdLst>
-    <p:sldId id="631" r:id="rId2"/>
+    <p:sldId id="633" r:id="rId2"/>
   </p:sldIdLst>
   <p:sldSz cx="12192000" cy="6858000"/>
   <p:notesSz cx="6858000" cy="9144000"/>
@@ -129,7 +129,7 @@
           <p:cNvPr id="2" name="标题 1">
             <a:extLst>
               <a:ext uri="{FF2B5EF4-FFF2-40B4-BE49-F238E27FC236}">
-                <a16:creationId xmlns:a16="http://schemas.microsoft.com/office/drawing/2014/main" id="{A38B0A9F-1BB2-1679-456F-C88BED98D600}"/>
+                <a16:creationId xmlns:a16="http://schemas.microsoft.com/office/drawing/2014/main" id="{C7ADE34B-73ED-B4F7-8313-620243527EE7}"/>
               </a:ext>
             </a:extLst>
           </p:cNvPr>
@@ -166,7 +166,7 @@
           <p:cNvPr id="3" name="副标题 2">
             <a:extLst>
               <a:ext uri="{FF2B5EF4-FFF2-40B4-BE49-F238E27FC236}">
-                <a16:creationId xmlns:a16="http://schemas.microsoft.com/office/drawing/2014/main" id="{21230232-15D3-36E0-0A42-0737DE6200F3}"/>
+                <a16:creationId xmlns:a16="http://schemas.microsoft.com/office/drawing/2014/main" id="{E4E63917-4BE0-21D1-19FD-FF4A73D42EDB}"/>
               </a:ext>
             </a:extLst>
           </p:cNvPr>
@@ -236,7 +236,7 @@
           <p:cNvPr id="4" name="日期占位符 3">
             <a:extLst>
               <a:ext uri="{FF2B5EF4-FFF2-40B4-BE49-F238E27FC236}">
-                <a16:creationId xmlns:a16="http://schemas.microsoft.com/office/drawing/2014/main" id="{D018E4D6-8C7B-2225-51FE-CABA59EED646}"/>
+                <a16:creationId xmlns:a16="http://schemas.microsoft.com/office/drawing/2014/main" id="{E29897CD-4896-96E3-44BC-09DC08953BD7}"/>
               </a:ext>
             </a:extLst>
           </p:cNvPr>
@@ -252,7 +252,7 @@
           <a:bodyPr/>
           <a:lstStyle/>
           <a:p>
-            <a:fld id="{B6D4EB3F-7BD7-413A-9471-57871B603A73}" type="datetimeFigureOut">
+            <a:fld id="{FD04A08E-2BA7-4EE3-9793-909FEE93B0FC}" type="datetimeFigureOut">
               <a:rPr lang="zh-CN" altLang="en-US" smtClean="0"/>
               <a:t>2024/3/10</a:t>
             </a:fld>
@@ -265,7 +265,7 @@
           <p:cNvPr id="5" name="页脚占位符 4">
             <a:extLst>
               <a:ext uri="{FF2B5EF4-FFF2-40B4-BE49-F238E27FC236}">
-                <a16:creationId xmlns:a16="http://schemas.microsoft.com/office/drawing/2014/main" id="{E2A34FC3-CDD1-2FA9-C7BD-5977B99EFC89}"/>
+                <a16:creationId xmlns:a16="http://schemas.microsoft.com/office/drawing/2014/main" id="{CF788F9A-7705-898A-AD54-5EF5F8DF5C73}"/>
               </a:ext>
             </a:extLst>
           </p:cNvPr>
@@ -290,7 +290,7 @@
           <p:cNvPr id="6" name="灯片编号占位符 5">
             <a:extLst>
               <a:ext uri="{FF2B5EF4-FFF2-40B4-BE49-F238E27FC236}">
-                <a16:creationId xmlns:a16="http://schemas.microsoft.com/office/drawing/2014/main" id="{0A590964-AB5C-83F2-5F8C-851D191859B7}"/>
+                <a16:creationId xmlns:a16="http://schemas.microsoft.com/office/drawing/2014/main" id="{A3150B53-BB8B-C8FB-D9B9-F5C83959E74B}"/>
               </a:ext>
             </a:extLst>
           </p:cNvPr>
@@ -306,7 +306,7 @@
           <a:bodyPr/>
           <a:lstStyle/>
           <a:p>
-            <a:fld id="{0F3355B0-B66B-424C-84F9-17CC1FC6B443}" type="slidenum">
+            <a:fld id="{13BC730B-3E9D-41F0-ABDF-C7C4311ABBEB}" type="slidenum">
               <a:rPr lang="zh-CN" altLang="en-US" smtClean="0"/>
               <a:t>‹#›</a:t>
             </a:fld>
@@ -317,7 +317,7 @@
     </p:spTree>
     <p:extLst>
       <p:ext uri="{BB962C8B-B14F-4D97-AF65-F5344CB8AC3E}">
-        <p14:creationId xmlns:p14="http://schemas.microsoft.com/office/powerpoint/2010/main" val="891253192"/>
+        <p14:creationId xmlns:p14="http://schemas.microsoft.com/office/powerpoint/2010/main" val="1261387772"/>
       </p:ext>
     </p:extLst>
   </p:cSld>
@@ -349,7 +349,7 @@
           <p:cNvPr id="2" name="标题 1">
             <a:extLst>
               <a:ext uri="{FF2B5EF4-FFF2-40B4-BE49-F238E27FC236}">
-                <a16:creationId xmlns:a16="http://schemas.microsoft.com/office/drawing/2014/main" id="{AFCD46C6-716F-C64B-5C87-E31DE88831D9}"/>
+                <a16:creationId xmlns:a16="http://schemas.microsoft.com/office/drawing/2014/main" id="{278A60E6-92C3-5F1D-C7E0-4E54238C9BE6}"/>
               </a:ext>
             </a:extLst>
           </p:cNvPr>
@@ -377,7 +377,7 @@
           <p:cNvPr id="3" name="竖排文字占位符 2">
             <a:extLst>
               <a:ext uri="{FF2B5EF4-FFF2-40B4-BE49-F238E27FC236}">
-                <a16:creationId xmlns:a16="http://schemas.microsoft.com/office/drawing/2014/main" id="{0970F6A1-6CB7-6090-074C-27DEC48425DE}"/>
+                <a16:creationId xmlns:a16="http://schemas.microsoft.com/office/drawing/2014/main" id="{5E6F7C64-A55C-FAFA-804C-3F08DB56B49B}"/>
               </a:ext>
             </a:extLst>
           </p:cNvPr>
@@ -434,7 +434,7 @@
           <p:cNvPr id="4" name="日期占位符 3">
             <a:extLst>
               <a:ext uri="{FF2B5EF4-FFF2-40B4-BE49-F238E27FC236}">
-                <a16:creationId xmlns:a16="http://schemas.microsoft.com/office/drawing/2014/main" id="{68AB412A-25E6-7CC9-8605-DBDC11BA9D8E}"/>
+                <a16:creationId xmlns:a16="http://schemas.microsoft.com/office/drawing/2014/main" id="{5FD654EC-555D-0B6F-CE2D-A6ED61EDAE62}"/>
               </a:ext>
             </a:extLst>
           </p:cNvPr>
@@ -450,7 +450,7 @@
           <a:bodyPr/>
           <a:lstStyle/>
           <a:p>
-            <a:fld id="{B6D4EB3F-7BD7-413A-9471-57871B603A73}" type="datetimeFigureOut">
+            <a:fld id="{FD04A08E-2BA7-4EE3-9793-909FEE93B0FC}" type="datetimeFigureOut">
               <a:rPr lang="zh-CN" altLang="en-US" smtClean="0"/>
               <a:t>2024/3/10</a:t>
             </a:fld>
@@ -463,7 +463,7 @@
           <p:cNvPr id="5" name="页脚占位符 4">
             <a:extLst>
               <a:ext uri="{FF2B5EF4-FFF2-40B4-BE49-F238E27FC236}">
-                <a16:creationId xmlns:a16="http://schemas.microsoft.com/office/drawing/2014/main" id="{4CC5BF29-3839-E9AD-A83F-BA39B291AD13}"/>
+                <a16:creationId xmlns:a16="http://schemas.microsoft.com/office/drawing/2014/main" id="{DCBB7348-C9DE-C14E-499E-6BEC6505F1AC}"/>
               </a:ext>
             </a:extLst>
           </p:cNvPr>
@@ -488,7 +488,7 @@
           <p:cNvPr id="6" name="灯片编号占位符 5">
             <a:extLst>
               <a:ext uri="{FF2B5EF4-FFF2-40B4-BE49-F238E27FC236}">
-                <a16:creationId xmlns:a16="http://schemas.microsoft.com/office/drawing/2014/main" id="{A7E39078-2A04-1BD5-1F37-6E2502CE1C56}"/>
+                <a16:creationId xmlns:a16="http://schemas.microsoft.com/office/drawing/2014/main" id="{FA7F7569-C45A-C609-FEF2-877DA20D5D23}"/>
               </a:ext>
             </a:extLst>
           </p:cNvPr>
@@ -504,7 +504,7 @@
           <a:bodyPr/>
           <a:lstStyle/>
           <a:p>
-            <a:fld id="{0F3355B0-B66B-424C-84F9-17CC1FC6B443}" type="slidenum">
+            <a:fld id="{13BC730B-3E9D-41F0-ABDF-C7C4311ABBEB}" type="slidenum">
               <a:rPr lang="zh-CN" altLang="en-US" smtClean="0"/>
               <a:t>‹#›</a:t>
             </a:fld>
@@ -515,7 +515,7 @@
     </p:spTree>
     <p:extLst>
       <p:ext uri="{BB962C8B-B14F-4D97-AF65-F5344CB8AC3E}">
-        <p14:creationId xmlns:p14="http://schemas.microsoft.com/office/powerpoint/2010/main" val="1539404636"/>
+        <p14:creationId xmlns:p14="http://schemas.microsoft.com/office/powerpoint/2010/main" val="1534332945"/>
       </p:ext>
     </p:extLst>
   </p:cSld>
@@ -547,7 +547,7 @@
           <p:cNvPr id="2" name="竖排标题 1">
             <a:extLst>
               <a:ext uri="{FF2B5EF4-FFF2-40B4-BE49-F238E27FC236}">
-                <a16:creationId xmlns:a16="http://schemas.microsoft.com/office/drawing/2014/main" id="{4E4291DB-2035-6743-115A-7CA880B2BF32}"/>
+                <a16:creationId xmlns:a16="http://schemas.microsoft.com/office/drawing/2014/main" id="{E3F0998D-49E3-39FD-48B3-D86BFADF8C72}"/>
               </a:ext>
             </a:extLst>
           </p:cNvPr>
@@ -580,7 +580,7 @@
           <p:cNvPr id="3" name="竖排文字占位符 2">
             <a:extLst>
               <a:ext uri="{FF2B5EF4-FFF2-40B4-BE49-F238E27FC236}">
-                <a16:creationId xmlns:a16="http://schemas.microsoft.com/office/drawing/2014/main" id="{4107C87B-1320-68DA-9C21-85014381ECE1}"/>
+                <a16:creationId xmlns:a16="http://schemas.microsoft.com/office/drawing/2014/main" id="{2BD08592-25D1-52B9-E689-C5BE50ED0500}"/>
               </a:ext>
             </a:extLst>
           </p:cNvPr>
@@ -642,7 +642,7 @@
           <p:cNvPr id="4" name="日期占位符 3">
             <a:extLst>
               <a:ext uri="{FF2B5EF4-FFF2-40B4-BE49-F238E27FC236}">
-                <a16:creationId xmlns:a16="http://schemas.microsoft.com/office/drawing/2014/main" id="{1EB82826-3374-EE55-470A-FC3F186EAA26}"/>
+                <a16:creationId xmlns:a16="http://schemas.microsoft.com/office/drawing/2014/main" id="{FC35E43F-6FCD-C56A-8ACA-DA6412956D9D}"/>
               </a:ext>
             </a:extLst>
           </p:cNvPr>
@@ -658,7 +658,7 @@
           <a:bodyPr/>
           <a:lstStyle/>
           <a:p>
-            <a:fld id="{B6D4EB3F-7BD7-413A-9471-57871B603A73}" type="datetimeFigureOut">
+            <a:fld id="{FD04A08E-2BA7-4EE3-9793-909FEE93B0FC}" type="datetimeFigureOut">
               <a:rPr lang="zh-CN" altLang="en-US" smtClean="0"/>
               <a:t>2024/3/10</a:t>
             </a:fld>
@@ -671,7 +671,7 @@
           <p:cNvPr id="5" name="页脚占位符 4">
             <a:extLst>
               <a:ext uri="{FF2B5EF4-FFF2-40B4-BE49-F238E27FC236}">
-                <a16:creationId xmlns:a16="http://schemas.microsoft.com/office/drawing/2014/main" id="{0363D14D-0250-1F16-0974-373C3E8F9515}"/>
+                <a16:creationId xmlns:a16="http://schemas.microsoft.com/office/drawing/2014/main" id="{F0C99907-5E5E-4A14-3A0B-D42CB3810149}"/>
               </a:ext>
             </a:extLst>
           </p:cNvPr>
@@ -696,7 +696,7 @@
           <p:cNvPr id="6" name="灯片编号占位符 5">
             <a:extLst>
               <a:ext uri="{FF2B5EF4-FFF2-40B4-BE49-F238E27FC236}">
-                <a16:creationId xmlns:a16="http://schemas.microsoft.com/office/drawing/2014/main" id="{755EAA62-E304-3C5F-49FE-7DEBA2AE9D8F}"/>
+                <a16:creationId xmlns:a16="http://schemas.microsoft.com/office/drawing/2014/main" id="{FE08E7B2-843F-3E72-50E1-F62C8910B156}"/>
               </a:ext>
             </a:extLst>
           </p:cNvPr>
@@ -712,7 +712,7 @@
           <a:bodyPr/>
           <a:lstStyle/>
           <a:p>
-            <a:fld id="{0F3355B0-B66B-424C-84F9-17CC1FC6B443}" type="slidenum">
+            <a:fld id="{13BC730B-3E9D-41F0-ABDF-C7C4311ABBEB}" type="slidenum">
               <a:rPr lang="zh-CN" altLang="en-US" smtClean="0"/>
               <a:t>‹#›</a:t>
             </a:fld>
@@ -723,7 +723,7 @@
     </p:spTree>
     <p:extLst>
       <p:ext uri="{BB962C8B-B14F-4D97-AF65-F5344CB8AC3E}">
-        <p14:creationId xmlns:p14="http://schemas.microsoft.com/office/powerpoint/2010/main" val="784805134"/>
+        <p14:creationId xmlns:p14="http://schemas.microsoft.com/office/powerpoint/2010/main" val="3234278483"/>
       </p:ext>
     </p:extLst>
   </p:cSld>
@@ -755,7 +755,7 @@
           <p:cNvPr id="2" name="标题 1">
             <a:extLst>
               <a:ext uri="{FF2B5EF4-FFF2-40B4-BE49-F238E27FC236}">
-                <a16:creationId xmlns:a16="http://schemas.microsoft.com/office/drawing/2014/main" id="{84C69398-F159-C62C-E709-514D2792A38C}"/>
+                <a16:creationId xmlns:a16="http://schemas.microsoft.com/office/drawing/2014/main" id="{9E9A4783-5872-792C-31DA-61EB5E853D9A}"/>
               </a:ext>
             </a:extLst>
           </p:cNvPr>
@@ -783,7 +783,7 @@
           <p:cNvPr id="3" name="内容占位符 2">
             <a:extLst>
               <a:ext uri="{FF2B5EF4-FFF2-40B4-BE49-F238E27FC236}">
-                <a16:creationId xmlns:a16="http://schemas.microsoft.com/office/drawing/2014/main" id="{752643AF-1B7D-F7DF-B56D-1DA192025340}"/>
+                <a16:creationId xmlns:a16="http://schemas.microsoft.com/office/drawing/2014/main" id="{949BD8FA-64F2-6FF6-3E46-DDE1C929801E}"/>
               </a:ext>
             </a:extLst>
           </p:cNvPr>
@@ -840,7 +840,7 @@
           <p:cNvPr id="4" name="日期占位符 3">
             <a:extLst>
               <a:ext uri="{FF2B5EF4-FFF2-40B4-BE49-F238E27FC236}">
-                <a16:creationId xmlns:a16="http://schemas.microsoft.com/office/drawing/2014/main" id="{C68C22D0-B237-DCE8-1E84-9F5B96B1745F}"/>
+                <a16:creationId xmlns:a16="http://schemas.microsoft.com/office/drawing/2014/main" id="{A8C8BA9E-E16D-E06A-5978-BAC940F2EBE9}"/>
               </a:ext>
             </a:extLst>
           </p:cNvPr>
@@ -856,7 +856,7 @@
           <a:bodyPr/>
           <a:lstStyle/>
           <a:p>
-            <a:fld id="{B6D4EB3F-7BD7-413A-9471-57871B603A73}" type="datetimeFigureOut">
+            <a:fld id="{FD04A08E-2BA7-4EE3-9793-909FEE93B0FC}" type="datetimeFigureOut">
               <a:rPr lang="zh-CN" altLang="en-US" smtClean="0"/>
               <a:t>2024/3/10</a:t>
             </a:fld>
@@ -869,7 +869,7 @@
           <p:cNvPr id="5" name="页脚占位符 4">
             <a:extLst>
               <a:ext uri="{FF2B5EF4-FFF2-40B4-BE49-F238E27FC236}">
-                <a16:creationId xmlns:a16="http://schemas.microsoft.com/office/drawing/2014/main" id="{12B62B87-DF07-E09E-C693-B26770B18272}"/>
+                <a16:creationId xmlns:a16="http://schemas.microsoft.com/office/drawing/2014/main" id="{ECF129C8-C810-2328-831C-58F1A4717086}"/>
               </a:ext>
             </a:extLst>
           </p:cNvPr>
@@ -894,7 +894,7 @@
           <p:cNvPr id="6" name="灯片编号占位符 5">
             <a:extLst>
               <a:ext uri="{FF2B5EF4-FFF2-40B4-BE49-F238E27FC236}">
-                <a16:creationId xmlns:a16="http://schemas.microsoft.com/office/drawing/2014/main" id="{5D865999-F237-92C4-16FE-AB2A60247499}"/>
+                <a16:creationId xmlns:a16="http://schemas.microsoft.com/office/drawing/2014/main" id="{E18A9DEB-38C1-A375-7AF4-16AE3E946C83}"/>
               </a:ext>
             </a:extLst>
           </p:cNvPr>
@@ -910,7 +910,7 @@
           <a:bodyPr/>
           <a:lstStyle/>
           <a:p>
-            <a:fld id="{0F3355B0-B66B-424C-84F9-17CC1FC6B443}" type="slidenum">
+            <a:fld id="{13BC730B-3E9D-41F0-ABDF-C7C4311ABBEB}" type="slidenum">
               <a:rPr lang="zh-CN" altLang="en-US" smtClean="0"/>
               <a:t>‹#›</a:t>
             </a:fld>
@@ -921,7 +921,7 @@
     </p:spTree>
     <p:extLst>
       <p:ext uri="{BB962C8B-B14F-4D97-AF65-F5344CB8AC3E}">
-        <p14:creationId xmlns:p14="http://schemas.microsoft.com/office/powerpoint/2010/main" val="1894106730"/>
+        <p14:creationId xmlns:p14="http://schemas.microsoft.com/office/powerpoint/2010/main" val="4003178594"/>
       </p:ext>
     </p:extLst>
   </p:cSld>
@@ -953,7 +953,7 @@
           <p:cNvPr id="2" name="标题 1">
             <a:extLst>
               <a:ext uri="{FF2B5EF4-FFF2-40B4-BE49-F238E27FC236}">
-                <a16:creationId xmlns:a16="http://schemas.microsoft.com/office/drawing/2014/main" id="{43FD3550-45E4-60D5-5DEF-476AF31BA7DA}"/>
+                <a16:creationId xmlns:a16="http://schemas.microsoft.com/office/drawing/2014/main" id="{DC1E78C0-F22F-4669-84AA-B0F9907BFC05}"/>
               </a:ext>
             </a:extLst>
           </p:cNvPr>
@@ -990,7 +990,7 @@
           <p:cNvPr id="3" name="文本占位符 2">
             <a:extLst>
               <a:ext uri="{FF2B5EF4-FFF2-40B4-BE49-F238E27FC236}">
-                <a16:creationId xmlns:a16="http://schemas.microsoft.com/office/drawing/2014/main" id="{5C28E00E-590D-297E-5C47-EE4802369B3D}"/>
+                <a16:creationId xmlns:a16="http://schemas.microsoft.com/office/drawing/2014/main" id="{18ECA73D-C5E6-DC0E-1399-2F4C6869A1FA}"/>
               </a:ext>
             </a:extLst>
           </p:cNvPr>
@@ -1115,7 +1115,7 @@
           <p:cNvPr id="4" name="日期占位符 3">
             <a:extLst>
               <a:ext uri="{FF2B5EF4-FFF2-40B4-BE49-F238E27FC236}">
-                <a16:creationId xmlns:a16="http://schemas.microsoft.com/office/drawing/2014/main" id="{A2C1ABB5-B3CD-56CE-5977-EE21AD26B96C}"/>
+                <a16:creationId xmlns:a16="http://schemas.microsoft.com/office/drawing/2014/main" id="{E3A86914-82CC-E73D-F5AA-A6E40C5149EB}"/>
               </a:ext>
             </a:extLst>
           </p:cNvPr>
@@ -1131,7 +1131,7 @@
           <a:bodyPr/>
           <a:lstStyle/>
           <a:p>
-            <a:fld id="{B6D4EB3F-7BD7-413A-9471-57871B603A73}" type="datetimeFigureOut">
+            <a:fld id="{FD04A08E-2BA7-4EE3-9793-909FEE93B0FC}" type="datetimeFigureOut">
               <a:rPr lang="zh-CN" altLang="en-US" smtClean="0"/>
               <a:t>2024/3/10</a:t>
             </a:fld>
@@ -1144,7 +1144,7 @@
           <p:cNvPr id="5" name="页脚占位符 4">
             <a:extLst>
               <a:ext uri="{FF2B5EF4-FFF2-40B4-BE49-F238E27FC236}">
-                <a16:creationId xmlns:a16="http://schemas.microsoft.com/office/drawing/2014/main" id="{D3DFDF16-AAAA-4BE9-C9FD-D73226D2950A}"/>
+                <a16:creationId xmlns:a16="http://schemas.microsoft.com/office/drawing/2014/main" id="{325A413B-AA44-1752-D8DA-8C67B5984335}"/>
               </a:ext>
             </a:extLst>
           </p:cNvPr>
@@ -1169,7 +1169,7 @@
           <p:cNvPr id="6" name="灯片编号占位符 5">
             <a:extLst>
               <a:ext uri="{FF2B5EF4-FFF2-40B4-BE49-F238E27FC236}">
-                <a16:creationId xmlns:a16="http://schemas.microsoft.com/office/drawing/2014/main" id="{EE7ACA3D-8D9F-A8B8-BAB9-386C18D4688C}"/>
+                <a16:creationId xmlns:a16="http://schemas.microsoft.com/office/drawing/2014/main" id="{8E54B3AB-888C-1174-0302-C28B75F1B1DF}"/>
               </a:ext>
             </a:extLst>
           </p:cNvPr>
@@ -1185,7 +1185,7 @@
           <a:bodyPr/>
           <a:lstStyle/>
           <a:p>
-            <a:fld id="{0F3355B0-B66B-424C-84F9-17CC1FC6B443}" type="slidenum">
+            <a:fld id="{13BC730B-3E9D-41F0-ABDF-C7C4311ABBEB}" type="slidenum">
               <a:rPr lang="zh-CN" altLang="en-US" smtClean="0"/>
               <a:t>‹#›</a:t>
             </a:fld>
@@ -1196,7 +1196,7 @@
     </p:spTree>
     <p:extLst>
       <p:ext uri="{BB962C8B-B14F-4D97-AF65-F5344CB8AC3E}">
-        <p14:creationId xmlns:p14="http://schemas.microsoft.com/office/powerpoint/2010/main" val="2177888700"/>
+        <p14:creationId xmlns:p14="http://schemas.microsoft.com/office/powerpoint/2010/main" val="3552085016"/>
       </p:ext>
     </p:extLst>
   </p:cSld>
@@ -1228,7 +1228,7 @@
           <p:cNvPr id="2" name="标题 1">
             <a:extLst>
               <a:ext uri="{FF2B5EF4-FFF2-40B4-BE49-F238E27FC236}">
-                <a16:creationId xmlns:a16="http://schemas.microsoft.com/office/drawing/2014/main" id="{0C7AD1EF-98AD-3B81-1FB7-1043E1BA6239}"/>
+                <a16:creationId xmlns:a16="http://schemas.microsoft.com/office/drawing/2014/main" id="{6DD356B2-053A-E310-105F-98802F144A70}"/>
               </a:ext>
             </a:extLst>
           </p:cNvPr>
@@ -1256,7 +1256,7 @@
           <p:cNvPr id="3" name="内容占位符 2">
             <a:extLst>
               <a:ext uri="{FF2B5EF4-FFF2-40B4-BE49-F238E27FC236}">
-                <a16:creationId xmlns:a16="http://schemas.microsoft.com/office/drawing/2014/main" id="{6670EC12-FDDE-24CB-1C8B-649DF61451C8}"/>
+                <a16:creationId xmlns:a16="http://schemas.microsoft.com/office/drawing/2014/main" id="{CA08C0CA-5FC9-F7E5-FF3A-8A0DD389A29A}"/>
               </a:ext>
             </a:extLst>
           </p:cNvPr>
@@ -1318,7 +1318,7 @@
           <p:cNvPr id="4" name="内容占位符 3">
             <a:extLst>
               <a:ext uri="{FF2B5EF4-FFF2-40B4-BE49-F238E27FC236}">
-                <a16:creationId xmlns:a16="http://schemas.microsoft.com/office/drawing/2014/main" id="{A5913108-3B2D-1142-0C6D-02CCC38502CD}"/>
+                <a16:creationId xmlns:a16="http://schemas.microsoft.com/office/drawing/2014/main" id="{6C5655EF-AD3C-9050-FCF0-4B70642FB231}"/>
               </a:ext>
             </a:extLst>
           </p:cNvPr>
@@ -1380,7 +1380,7 @@
           <p:cNvPr id="5" name="日期占位符 4">
             <a:extLst>
               <a:ext uri="{FF2B5EF4-FFF2-40B4-BE49-F238E27FC236}">
-                <a16:creationId xmlns:a16="http://schemas.microsoft.com/office/drawing/2014/main" id="{3DBAFC65-5422-6E3F-6C30-B7577072A17D}"/>
+                <a16:creationId xmlns:a16="http://schemas.microsoft.com/office/drawing/2014/main" id="{82F8A2C5-FB12-7402-A0FD-E2B72C1CE026}"/>
               </a:ext>
             </a:extLst>
           </p:cNvPr>
@@ -1396,7 +1396,7 @@
           <a:bodyPr/>
           <a:lstStyle/>
           <a:p>
-            <a:fld id="{B6D4EB3F-7BD7-413A-9471-57871B603A73}" type="datetimeFigureOut">
+            <a:fld id="{FD04A08E-2BA7-4EE3-9793-909FEE93B0FC}" type="datetimeFigureOut">
               <a:rPr lang="zh-CN" altLang="en-US" smtClean="0"/>
               <a:t>2024/3/10</a:t>
             </a:fld>
@@ -1409,7 +1409,7 @@
           <p:cNvPr id="6" name="页脚占位符 5">
             <a:extLst>
               <a:ext uri="{FF2B5EF4-FFF2-40B4-BE49-F238E27FC236}">
-                <a16:creationId xmlns:a16="http://schemas.microsoft.com/office/drawing/2014/main" id="{F249DC17-340C-2DF7-5AAE-B8DD8158A352}"/>
+                <a16:creationId xmlns:a16="http://schemas.microsoft.com/office/drawing/2014/main" id="{B7F2FA33-E4CD-6B5F-6C84-B73E66FAEEBE}"/>
               </a:ext>
             </a:extLst>
           </p:cNvPr>
@@ -1434,7 +1434,7 @@
           <p:cNvPr id="7" name="灯片编号占位符 6">
             <a:extLst>
               <a:ext uri="{FF2B5EF4-FFF2-40B4-BE49-F238E27FC236}">
-                <a16:creationId xmlns:a16="http://schemas.microsoft.com/office/drawing/2014/main" id="{36958839-25BB-C8D2-7E63-300F6E354F3A}"/>
+                <a16:creationId xmlns:a16="http://schemas.microsoft.com/office/drawing/2014/main" id="{1B128482-9E14-B4C2-D206-FC2C3CE97254}"/>
               </a:ext>
             </a:extLst>
           </p:cNvPr>
@@ -1450,7 +1450,7 @@
           <a:bodyPr/>
           <a:lstStyle/>
           <a:p>
-            <a:fld id="{0F3355B0-B66B-424C-84F9-17CC1FC6B443}" type="slidenum">
+            <a:fld id="{13BC730B-3E9D-41F0-ABDF-C7C4311ABBEB}" type="slidenum">
               <a:rPr lang="zh-CN" altLang="en-US" smtClean="0"/>
               <a:t>‹#›</a:t>
             </a:fld>
@@ -1461,7 +1461,7 @@
     </p:spTree>
     <p:extLst>
       <p:ext uri="{BB962C8B-B14F-4D97-AF65-F5344CB8AC3E}">
-        <p14:creationId xmlns:p14="http://schemas.microsoft.com/office/powerpoint/2010/main" val="358617190"/>
+        <p14:creationId xmlns:p14="http://schemas.microsoft.com/office/powerpoint/2010/main" val="2967671027"/>
       </p:ext>
     </p:extLst>
   </p:cSld>
@@ -1493,7 +1493,7 @@
           <p:cNvPr id="2" name="标题 1">
             <a:extLst>
               <a:ext uri="{FF2B5EF4-FFF2-40B4-BE49-F238E27FC236}">
-                <a16:creationId xmlns:a16="http://schemas.microsoft.com/office/drawing/2014/main" id="{9D77D8F1-FC68-512F-3050-2572891A4F69}"/>
+                <a16:creationId xmlns:a16="http://schemas.microsoft.com/office/drawing/2014/main" id="{D83E83DC-0162-D24D-8E83-CB5E8D743061}"/>
               </a:ext>
             </a:extLst>
           </p:cNvPr>
@@ -1526,7 +1526,7 @@
           <p:cNvPr id="3" name="文本占位符 2">
             <a:extLst>
               <a:ext uri="{FF2B5EF4-FFF2-40B4-BE49-F238E27FC236}">
-                <a16:creationId xmlns:a16="http://schemas.microsoft.com/office/drawing/2014/main" id="{754141AE-72A7-B982-32EB-7C5BABFB5E33}"/>
+                <a16:creationId xmlns:a16="http://schemas.microsoft.com/office/drawing/2014/main" id="{A20F2761-4FA0-438B-0A21-F7AE00884BF6}"/>
               </a:ext>
             </a:extLst>
           </p:cNvPr>
@@ -1597,7 +1597,7 @@
           <p:cNvPr id="4" name="内容占位符 3">
             <a:extLst>
               <a:ext uri="{FF2B5EF4-FFF2-40B4-BE49-F238E27FC236}">
-                <a16:creationId xmlns:a16="http://schemas.microsoft.com/office/drawing/2014/main" id="{214E9B64-87FE-4FCA-2356-2F38F627CAB8}"/>
+                <a16:creationId xmlns:a16="http://schemas.microsoft.com/office/drawing/2014/main" id="{C5CA7A5E-C8A4-ABB2-629A-A9C2D7AE97FA}"/>
               </a:ext>
             </a:extLst>
           </p:cNvPr>
@@ -1659,7 +1659,7 @@
           <p:cNvPr id="5" name="文本占位符 4">
             <a:extLst>
               <a:ext uri="{FF2B5EF4-FFF2-40B4-BE49-F238E27FC236}">
-                <a16:creationId xmlns:a16="http://schemas.microsoft.com/office/drawing/2014/main" id="{08A44AC6-093F-2795-3050-2D9A11386C2D}"/>
+                <a16:creationId xmlns:a16="http://schemas.microsoft.com/office/drawing/2014/main" id="{70DAB887-6C43-4483-C0E1-0024CCCCE99C}"/>
               </a:ext>
             </a:extLst>
           </p:cNvPr>
@@ -1730,7 +1730,7 @@
           <p:cNvPr id="6" name="内容占位符 5">
             <a:extLst>
               <a:ext uri="{FF2B5EF4-FFF2-40B4-BE49-F238E27FC236}">
-                <a16:creationId xmlns:a16="http://schemas.microsoft.com/office/drawing/2014/main" id="{CB862881-A0E2-7E83-81F2-200E2CC66060}"/>
+                <a16:creationId xmlns:a16="http://schemas.microsoft.com/office/drawing/2014/main" id="{BB3264EB-BD62-9436-2DCB-77288317865A}"/>
               </a:ext>
             </a:extLst>
           </p:cNvPr>
@@ -1792,7 +1792,7 @@
           <p:cNvPr id="7" name="日期占位符 6">
             <a:extLst>
               <a:ext uri="{FF2B5EF4-FFF2-40B4-BE49-F238E27FC236}">
-                <a16:creationId xmlns:a16="http://schemas.microsoft.com/office/drawing/2014/main" id="{6D833BAD-1A8D-D2E1-1D7E-998E002C5591}"/>
+                <a16:creationId xmlns:a16="http://schemas.microsoft.com/office/drawing/2014/main" id="{FCBFFF38-47F9-FF00-7BDA-4EC56B8331BC}"/>
               </a:ext>
             </a:extLst>
           </p:cNvPr>
@@ -1808,7 +1808,7 @@
           <a:bodyPr/>
           <a:lstStyle/>
           <a:p>
-            <a:fld id="{B6D4EB3F-7BD7-413A-9471-57871B603A73}" type="datetimeFigureOut">
+            <a:fld id="{FD04A08E-2BA7-4EE3-9793-909FEE93B0FC}" type="datetimeFigureOut">
               <a:rPr lang="zh-CN" altLang="en-US" smtClean="0"/>
               <a:t>2024/3/10</a:t>
             </a:fld>
@@ -1821,7 +1821,7 @@
           <p:cNvPr id="8" name="页脚占位符 7">
             <a:extLst>
               <a:ext uri="{FF2B5EF4-FFF2-40B4-BE49-F238E27FC236}">
-                <a16:creationId xmlns:a16="http://schemas.microsoft.com/office/drawing/2014/main" id="{CD3E270D-C765-B932-D78A-6E78710FA2BD}"/>
+                <a16:creationId xmlns:a16="http://schemas.microsoft.com/office/drawing/2014/main" id="{9C19CF34-E85F-77B5-A21D-DDBEFF428ACB}"/>
               </a:ext>
             </a:extLst>
           </p:cNvPr>
@@ -1846,7 +1846,7 @@
           <p:cNvPr id="9" name="灯片编号占位符 8">
             <a:extLst>
               <a:ext uri="{FF2B5EF4-FFF2-40B4-BE49-F238E27FC236}">
-                <a16:creationId xmlns:a16="http://schemas.microsoft.com/office/drawing/2014/main" id="{358A525B-C7F4-5423-D174-EB5561C5F016}"/>
+                <a16:creationId xmlns:a16="http://schemas.microsoft.com/office/drawing/2014/main" id="{12EDB1BC-B4CD-F048-5193-9C962E608A51}"/>
               </a:ext>
             </a:extLst>
           </p:cNvPr>
@@ -1862,7 +1862,7 @@
           <a:bodyPr/>
           <a:lstStyle/>
           <a:p>
-            <a:fld id="{0F3355B0-B66B-424C-84F9-17CC1FC6B443}" type="slidenum">
+            <a:fld id="{13BC730B-3E9D-41F0-ABDF-C7C4311ABBEB}" type="slidenum">
               <a:rPr lang="zh-CN" altLang="en-US" smtClean="0"/>
               <a:t>‹#›</a:t>
             </a:fld>
@@ -1873,7 +1873,7 @@
     </p:spTree>
     <p:extLst>
       <p:ext uri="{BB962C8B-B14F-4D97-AF65-F5344CB8AC3E}">
-        <p14:creationId xmlns:p14="http://schemas.microsoft.com/office/powerpoint/2010/main" val="1540875688"/>
+        <p14:creationId xmlns:p14="http://schemas.microsoft.com/office/powerpoint/2010/main" val="3367963451"/>
       </p:ext>
     </p:extLst>
   </p:cSld>
@@ -1905,7 +1905,7 @@
           <p:cNvPr id="2" name="标题 1">
             <a:extLst>
               <a:ext uri="{FF2B5EF4-FFF2-40B4-BE49-F238E27FC236}">
-                <a16:creationId xmlns:a16="http://schemas.microsoft.com/office/drawing/2014/main" id="{E05732CD-8F77-675C-580E-877A815A8942}"/>
+                <a16:creationId xmlns:a16="http://schemas.microsoft.com/office/drawing/2014/main" id="{45DBD88E-F12A-71DF-A20A-D73013A84295}"/>
               </a:ext>
             </a:extLst>
           </p:cNvPr>
@@ -1933,7 +1933,7 @@
           <p:cNvPr id="3" name="日期占位符 2">
             <a:extLst>
               <a:ext uri="{FF2B5EF4-FFF2-40B4-BE49-F238E27FC236}">
-                <a16:creationId xmlns:a16="http://schemas.microsoft.com/office/drawing/2014/main" id="{76BC27D9-2FD7-F9E5-34FA-E93817064796}"/>
+                <a16:creationId xmlns:a16="http://schemas.microsoft.com/office/drawing/2014/main" id="{137E630A-6E36-D661-3DE1-EE6FE6F9E3E5}"/>
               </a:ext>
             </a:extLst>
           </p:cNvPr>
@@ -1949,7 +1949,7 @@
           <a:bodyPr/>
           <a:lstStyle/>
           <a:p>
-            <a:fld id="{B6D4EB3F-7BD7-413A-9471-57871B603A73}" type="datetimeFigureOut">
+            <a:fld id="{FD04A08E-2BA7-4EE3-9793-909FEE93B0FC}" type="datetimeFigureOut">
               <a:rPr lang="zh-CN" altLang="en-US" smtClean="0"/>
               <a:t>2024/3/10</a:t>
             </a:fld>
@@ -1962,7 +1962,7 @@
           <p:cNvPr id="4" name="页脚占位符 3">
             <a:extLst>
               <a:ext uri="{FF2B5EF4-FFF2-40B4-BE49-F238E27FC236}">
-                <a16:creationId xmlns:a16="http://schemas.microsoft.com/office/drawing/2014/main" id="{1CAE4020-1767-A238-EA85-1FF531F35D9B}"/>
+                <a16:creationId xmlns:a16="http://schemas.microsoft.com/office/drawing/2014/main" id="{C5E7F49F-E297-2860-8410-FF6BEA19601E}"/>
               </a:ext>
             </a:extLst>
           </p:cNvPr>
@@ -1987,7 +1987,7 @@
           <p:cNvPr id="5" name="灯片编号占位符 4">
             <a:extLst>
               <a:ext uri="{FF2B5EF4-FFF2-40B4-BE49-F238E27FC236}">
-                <a16:creationId xmlns:a16="http://schemas.microsoft.com/office/drawing/2014/main" id="{9CA3F7A1-31E8-6CFE-4821-F01764A762D2}"/>
+                <a16:creationId xmlns:a16="http://schemas.microsoft.com/office/drawing/2014/main" id="{553F1DB1-E20C-D933-BF57-60325DA01814}"/>
               </a:ext>
             </a:extLst>
           </p:cNvPr>
@@ -2003,7 +2003,7 @@
           <a:bodyPr/>
           <a:lstStyle/>
           <a:p>
-            <a:fld id="{0F3355B0-B66B-424C-84F9-17CC1FC6B443}" type="slidenum">
+            <a:fld id="{13BC730B-3E9D-41F0-ABDF-C7C4311ABBEB}" type="slidenum">
               <a:rPr lang="zh-CN" altLang="en-US" smtClean="0"/>
               <a:t>‹#›</a:t>
             </a:fld>
@@ -2014,7 +2014,7 @@
     </p:spTree>
     <p:extLst>
       <p:ext uri="{BB962C8B-B14F-4D97-AF65-F5344CB8AC3E}">
-        <p14:creationId xmlns:p14="http://schemas.microsoft.com/office/powerpoint/2010/main" val="76833080"/>
+        <p14:creationId xmlns:p14="http://schemas.microsoft.com/office/powerpoint/2010/main" val="604538736"/>
       </p:ext>
     </p:extLst>
   </p:cSld>
@@ -2046,7 +2046,7 @@
           <p:cNvPr id="2" name="日期占位符 1">
             <a:extLst>
               <a:ext uri="{FF2B5EF4-FFF2-40B4-BE49-F238E27FC236}">
-                <a16:creationId xmlns:a16="http://schemas.microsoft.com/office/drawing/2014/main" id="{14327F5B-6824-E9CD-B5D2-215993763CF8}"/>
+                <a16:creationId xmlns:a16="http://schemas.microsoft.com/office/drawing/2014/main" id="{FFAC77C0-00C4-E518-DB79-BED856F6C25E}"/>
               </a:ext>
             </a:extLst>
           </p:cNvPr>
@@ -2062,7 +2062,7 @@
           <a:bodyPr/>
           <a:lstStyle/>
           <a:p>
-            <a:fld id="{B6D4EB3F-7BD7-413A-9471-57871B603A73}" type="datetimeFigureOut">
+            <a:fld id="{FD04A08E-2BA7-4EE3-9793-909FEE93B0FC}" type="datetimeFigureOut">
               <a:rPr lang="zh-CN" altLang="en-US" smtClean="0"/>
               <a:t>2024/3/10</a:t>
             </a:fld>
@@ -2075,7 +2075,7 @@
           <p:cNvPr id="3" name="页脚占位符 2">
             <a:extLst>
               <a:ext uri="{FF2B5EF4-FFF2-40B4-BE49-F238E27FC236}">
-                <a16:creationId xmlns:a16="http://schemas.microsoft.com/office/drawing/2014/main" id="{1721BA6C-BE0F-C59A-B930-6962A11D2552}"/>
+                <a16:creationId xmlns:a16="http://schemas.microsoft.com/office/drawing/2014/main" id="{9F066D14-F76B-0A8E-2A94-B8767E88462C}"/>
               </a:ext>
             </a:extLst>
           </p:cNvPr>
@@ -2100,7 +2100,7 @@
           <p:cNvPr id="4" name="灯片编号占位符 3">
             <a:extLst>
               <a:ext uri="{FF2B5EF4-FFF2-40B4-BE49-F238E27FC236}">
-                <a16:creationId xmlns:a16="http://schemas.microsoft.com/office/drawing/2014/main" id="{1B9CB98D-3FF3-615C-B74E-98D091D5268A}"/>
+                <a16:creationId xmlns:a16="http://schemas.microsoft.com/office/drawing/2014/main" id="{CD63936D-E766-D2BE-89CA-0BE6CB5D7151}"/>
               </a:ext>
             </a:extLst>
           </p:cNvPr>
@@ -2116,7 +2116,7 @@
           <a:bodyPr/>
           <a:lstStyle/>
           <a:p>
-            <a:fld id="{0F3355B0-B66B-424C-84F9-17CC1FC6B443}" type="slidenum">
+            <a:fld id="{13BC730B-3E9D-41F0-ABDF-C7C4311ABBEB}" type="slidenum">
               <a:rPr lang="zh-CN" altLang="en-US" smtClean="0"/>
               <a:t>‹#›</a:t>
             </a:fld>
@@ -2127,7 +2127,7 @@
     </p:spTree>
     <p:extLst>
       <p:ext uri="{BB962C8B-B14F-4D97-AF65-F5344CB8AC3E}">
-        <p14:creationId xmlns:p14="http://schemas.microsoft.com/office/powerpoint/2010/main" val="1239981023"/>
+        <p14:creationId xmlns:p14="http://schemas.microsoft.com/office/powerpoint/2010/main" val="2515209874"/>
       </p:ext>
     </p:extLst>
   </p:cSld>
@@ -2159,7 +2159,7 @@
           <p:cNvPr id="2" name="标题 1">
             <a:extLst>
               <a:ext uri="{FF2B5EF4-FFF2-40B4-BE49-F238E27FC236}">
-                <a16:creationId xmlns:a16="http://schemas.microsoft.com/office/drawing/2014/main" id="{FFE8C177-AC72-5DB2-102C-2FF412429708}"/>
+                <a16:creationId xmlns:a16="http://schemas.microsoft.com/office/drawing/2014/main" id="{21830C71-4FA8-5B5A-DB75-6573F630DD5C}"/>
               </a:ext>
             </a:extLst>
           </p:cNvPr>
@@ -2196,7 +2196,7 @@
           <p:cNvPr id="3" name="内容占位符 2">
             <a:extLst>
               <a:ext uri="{FF2B5EF4-FFF2-40B4-BE49-F238E27FC236}">
-                <a16:creationId xmlns:a16="http://schemas.microsoft.com/office/drawing/2014/main" id="{EFCC79D9-FC4B-AE44-6671-DABE55219E7E}"/>
+                <a16:creationId xmlns:a16="http://schemas.microsoft.com/office/drawing/2014/main" id="{C5D6258F-3BEA-657D-1694-A9B1FE9DC3E2}"/>
               </a:ext>
             </a:extLst>
           </p:cNvPr>
@@ -2286,7 +2286,7 @@
           <p:cNvPr id="4" name="文本占位符 3">
             <a:extLst>
               <a:ext uri="{FF2B5EF4-FFF2-40B4-BE49-F238E27FC236}">
-                <a16:creationId xmlns:a16="http://schemas.microsoft.com/office/drawing/2014/main" id="{ACACC07A-8FE4-2D59-78EE-3DBFDA1EC9F6}"/>
+                <a16:creationId xmlns:a16="http://schemas.microsoft.com/office/drawing/2014/main" id="{3A2C2C9A-AB89-BDA5-F082-48AE4476005F}"/>
               </a:ext>
             </a:extLst>
           </p:cNvPr>
@@ -2357,7 +2357,7 @@
           <p:cNvPr id="5" name="日期占位符 4">
             <a:extLst>
               <a:ext uri="{FF2B5EF4-FFF2-40B4-BE49-F238E27FC236}">
-                <a16:creationId xmlns:a16="http://schemas.microsoft.com/office/drawing/2014/main" id="{25D4E384-338F-5719-4582-38B82F743017}"/>
+                <a16:creationId xmlns:a16="http://schemas.microsoft.com/office/drawing/2014/main" id="{AF2B5188-89BF-A76E-EFA0-298E0D164904}"/>
               </a:ext>
             </a:extLst>
           </p:cNvPr>
@@ -2373,7 +2373,7 @@
           <a:bodyPr/>
           <a:lstStyle/>
           <a:p>
-            <a:fld id="{B6D4EB3F-7BD7-413A-9471-57871B603A73}" type="datetimeFigureOut">
+            <a:fld id="{FD04A08E-2BA7-4EE3-9793-909FEE93B0FC}" type="datetimeFigureOut">
               <a:rPr lang="zh-CN" altLang="en-US" smtClean="0"/>
               <a:t>2024/3/10</a:t>
             </a:fld>
@@ -2386,7 +2386,7 @@
           <p:cNvPr id="6" name="页脚占位符 5">
             <a:extLst>
               <a:ext uri="{FF2B5EF4-FFF2-40B4-BE49-F238E27FC236}">
-                <a16:creationId xmlns:a16="http://schemas.microsoft.com/office/drawing/2014/main" id="{FE0B19E9-A931-280F-8D14-4B41293FECDD}"/>
+                <a16:creationId xmlns:a16="http://schemas.microsoft.com/office/drawing/2014/main" id="{00DF6F28-30AA-04F1-1D44-AE9A0ACD53FE}"/>
               </a:ext>
             </a:extLst>
           </p:cNvPr>
@@ -2411,7 +2411,7 @@
           <p:cNvPr id="7" name="灯片编号占位符 6">
             <a:extLst>
               <a:ext uri="{FF2B5EF4-FFF2-40B4-BE49-F238E27FC236}">
-                <a16:creationId xmlns:a16="http://schemas.microsoft.com/office/drawing/2014/main" id="{CBF45F86-767B-6320-6158-4158AA0B148C}"/>
+                <a16:creationId xmlns:a16="http://schemas.microsoft.com/office/drawing/2014/main" id="{FA584C58-1A8F-4B5F-DA7D-E0C353E3364E}"/>
               </a:ext>
             </a:extLst>
           </p:cNvPr>
@@ -2427,7 +2427,7 @@
           <a:bodyPr/>
           <a:lstStyle/>
           <a:p>
-            <a:fld id="{0F3355B0-B66B-424C-84F9-17CC1FC6B443}" type="slidenum">
+            <a:fld id="{13BC730B-3E9D-41F0-ABDF-C7C4311ABBEB}" type="slidenum">
               <a:rPr lang="zh-CN" altLang="en-US" smtClean="0"/>
               <a:t>‹#›</a:t>
             </a:fld>
@@ -2438,7 +2438,7 @@
     </p:spTree>
     <p:extLst>
       <p:ext uri="{BB962C8B-B14F-4D97-AF65-F5344CB8AC3E}">
-        <p14:creationId xmlns:p14="http://schemas.microsoft.com/office/powerpoint/2010/main" val="2454835869"/>
+        <p14:creationId xmlns:p14="http://schemas.microsoft.com/office/powerpoint/2010/main" val="2062246131"/>
       </p:ext>
     </p:extLst>
   </p:cSld>
@@ -2470,7 +2470,7 @@
           <p:cNvPr id="2" name="标题 1">
             <a:extLst>
               <a:ext uri="{FF2B5EF4-FFF2-40B4-BE49-F238E27FC236}">
-                <a16:creationId xmlns:a16="http://schemas.microsoft.com/office/drawing/2014/main" id="{A1D4DA4B-4F1C-AC7A-0232-786709E0DC6B}"/>
+                <a16:creationId xmlns:a16="http://schemas.microsoft.com/office/drawing/2014/main" id="{8AD27401-30C1-CFA0-1B9A-4291A5C743EA}"/>
               </a:ext>
             </a:extLst>
           </p:cNvPr>
@@ -2507,7 +2507,7 @@
           <p:cNvPr id="3" name="图片占位符 2">
             <a:extLst>
               <a:ext uri="{FF2B5EF4-FFF2-40B4-BE49-F238E27FC236}">
-                <a16:creationId xmlns:a16="http://schemas.microsoft.com/office/drawing/2014/main" id="{9E96A92F-3565-7B9F-201E-9FC32F4382D9}"/>
+                <a16:creationId xmlns:a16="http://schemas.microsoft.com/office/drawing/2014/main" id="{43296F5B-5A6C-16AB-48CC-1329D11048F4}"/>
               </a:ext>
             </a:extLst>
           </p:cNvPr>
@@ -2574,7 +2574,7 @@
           <p:cNvPr id="4" name="文本占位符 3">
             <a:extLst>
               <a:ext uri="{FF2B5EF4-FFF2-40B4-BE49-F238E27FC236}">
-                <a16:creationId xmlns:a16="http://schemas.microsoft.com/office/drawing/2014/main" id="{E39CFDB7-3F66-2B05-F8EC-1AA2E214AE31}"/>
+                <a16:creationId xmlns:a16="http://schemas.microsoft.com/office/drawing/2014/main" id="{16501613-7BEC-E33A-72E6-AA65F9384621}"/>
               </a:ext>
             </a:extLst>
           </p:cNvPr>
@@ -2645,7 +2645,7 @@
           <p:cNvPr id="5" name="日期占位符 4">
             <a:extLst>
               <a:ext uri="{FF2B5EF4-FFF2-40B4-BE49-F238E27FC236}">
-                <a16:creationId xmlns:a16="http://schemas.microsoft.com/office/drawing/2014/main" id="{E3062A84-61A6-9692-B1E1-20930A5F656A}"/>
+                <a16:creationId xmlns:a16="http://schemas.microsoft.com/office/drawing/2014/main" id="{188805EB-0C36-9AEA-5FF4-E40FEDBF8187}"/>
               </a:ext>
             </a:extLst>
           </p:cNvPr>
@@ -2661,7 +2661,7 @@
           <a:bodyPr/>
           <a:lstStyle/>
           <a:p>
-            <a:fld id="{B6D4EB3F-7BD7-413A-9471-57871B603A73}" type="datetimeFigureOut">
+            <a:fld id="{FD04A08E-2BA7-4EE3-9793-909FEE93B0FC}" type="datetimeFigureOut">
               <a:rPr lang="zh-CN" altLang="en-US" smtClean="0"/>
               <a:t>2024/3/10</a:t>
             </a:fld>
@@ -2674,7 +2674,7 @@
           <p:cNvPr id="6" name="页脚占位符 5">
             <a:extLst>
               <a:ext uri="{FF2B5EF4-FFF2-40B4-BE49-F238E27FC236}">
-                <a16:creationId xmlns:a16="http://schemas.microsoft.com/office/drawing/2014/main" id="{4321DC3D-0699-B672-B53D-44E03AD676E3}"/>
+                <a16:creationId xmlns:a16="http://schemas.microsoft.com/office/drawing/2014/main" id="{8494A309-47D7-F54D-80C7-14800A53FFB8}"/>
               </a:ext>
             </a:extLst>
           </p:cNvPr>
@@ -2699,7 +2699,7 @@
           <p:cNvPr id="7" name="灯片编号占位符 6">
             <a:extLst>
               <a:ext uri="{FF2B5EF4-FFF2-40B4-BE49-F238E27FC236}">
-                <a16:creationId xmlns:a16="http://schemas.microsoft.com/office/drawing/2014/main" id="{C58DFBA7-1A43-839E-C61C-DB54412C9C5F}"/>
+                <a16:creationId xmlns:a16="http://schemas.microsoft.com/office/drawing/2014/main" id="{D81D25A1-2127-A6F4-A3B7-AE8F9BD02D0A}"/>
               </a:ext>
             </a:extLst>
           </p:cNvPr>
@@ -2715,7 +2715,7 @@
           <a:bodyPr/>
           <a:lstStyle/>
           <a:p>
-            <a:fld id="{0F3355B0-B66B-424C-84F9-17CC1FC6B443}" type="slidenum">
+            <a:fld id="{13BC730B-3E9D-41F0-ABDF-C7C4311ABBEB}" type="slidenum">
               <a:rPr lang="zh-CN" altLang="en-US" smtClean="0"/>
               <a:t>‹#›</a:t>
             </a:fld>
@@ -2726,7 +2726,7 @@
     </p:spTree>
     <p:extLst>
       <p:ext uri="{BB962C8B-B14F-4D97-AF65-F5344CB8AC3E}">
-        <p14:creationId xmlns:p14="http://schemas.microsoft.com/office/powerpoint/2010/main" val="2632632584"/>
+        <p14:creationId xmlns:p14="http://schemas.microsoft.com/office/powerpoint/2010/main" val="961719815"/>
       </p:ext>
     </p:extLst>
   </p:cSld>
@@ -2763,7 +2763,7 @@
           <p:cNvPr id="2" name="标题占位符 1">
             <a:extLst>
               <a:ext uri="{FF2B5EF4-FFF2-40B4-BE49-F238E27FC236}">
-                <a16:creationId xmlns:a16="http://schemas.microsoft.com/office/drawing/2014/main" id="{87A2EB51-0F6E-9524-CFBD-1AAA742F4A91}"/>
+                <a16:creationId xmlns:a16="http://schemas.microsoft.com/office/drawing/2014/main" id="{E7214BEA-6F4B-BAD9-1571-DC6BF1EA84E1}"/>
               </a:ext>
             </a:extLst>
           </p:cNvPr>
@@ -2801,7 +2801,7 @@
           <p:cNvPr id="3" name="文本占位符 2">
             <a:extLst>
               <a:ext uri="{FF2B5EF4-FFF2-40B4-BE49-F238E27FC236}">
-                <a16:creationId xmlns:a16="http://schemas.microsoft.com/office/drawing/2014/main" id="{50B2D729-F4B6-701A-138C-BFD028C98B6E}"/>
+                <a16:creationId xmlns:a16="http://schemas.microsoft.com/office/drawing/2014/main" id="{F28D6B16-193D-2A89-92B9-0EDEE4F5E6AA}"/>
               </a:ext>
             </a:extLst>
           </p:cNvPr>
@@ -2868,7 +2868,7 @@
           <p:cNvPr id="4" name="日期占位符 3">
             <a:extLst>
               <a:ext uri="{FF2B5EF4-FFF2-40B4-BE49-F238E27FC236}">
-                <a16:creationId xmlns:a16="http://schemas.microsoft.com/office/drawing/2014/main" id="{02CA546E-46CC-8166-E425-256DF549B162}"/>
+                <a16:creationId xmlns:a16="http://schemas.microsoft.com/office/drawing/2014/main" id="{B06B8121-DE77-0D6E-8A8A-3CD97D90A383}"/>
               </a:ext>
             </a:extLst>
           </p:cNvPr>
@@ -2902,7 +2902,7 @@
             </a:lvl1pPr>
           </a:lstStyle>
           <a:p>
-            <a:fld id="{B6D4EB3F-7BD7-413A-9471-57871B603A73}" type="datetimeFigureOut">
+            <a:fld id="{FD04A08E-2BA7-4EE3-9793-909FEE93B0FC}" type="datetimeFigureOut">
               <a:rPr lang="zh-CN" altLang="en-US" smtClean="0"/>
               <a:t>2024/3/10</a:t>
             </a:fld>
@@ -2915,7 +2915,7 @@
           <p:cNvPr id="5" name="页脚占位符 4">
             <a:extLst>
               <a:ext uri="{FF2B5EF4-FFF2-40B4-BE49-F238E27FC236}">
-                <a16:creationId xmlns:a16="http://schemas.microsoft.com/office/drawing/2014/main" id="{36EA7970-BA4D-AA60-B88B-EB2334CD8C17}"/>
+                <a16:creationId xmlns:a16="http://schemas.microsoft.com/office/drawing/2014/main" id="{7EE4E334-7195-8FB1-0B85-468A39773341}"/>
               </a:ext>
             </a:extLst>
           </p:cNvPr>
@@ -2958,7 +2958,7 @@
           <p:cNvPr id="6" name="灯片编号占位符 5">
             <a:extLst>
               <a:ext uri="{FF2B5EF4-FFF2-40B4-BE49-F238E27FC236}">
-                <a16:creationId xmlns:a16="http://schemas.microsoft.com/office/drawing/2014/main" id="{5BE815BA-A683-CBC5-36CD-07E855F5434A}"/>
+                <a16:creationId xmlns:a16="http://schemas.microsoft.com/office/drawing/2014/main" id="{216520BC-69A6-A7B8-A1D5-8CF7160B277A}"/>
               </a:ext>
             </a:extLst>
           </p:cNvPr>
@@ -2992,7 +2992,7 @@
             </a:lvl1pPr>
           </a:lstStyle>
           <a:p>
-            <a:fld id="{0F3355B0-B66B-424C-84F9-17CC1FC6B443}" type="slidenum">
+            <a:fld id="{13BC730B-3E9D-41F0-ABDF-C7C4311ABBEB}" type="slidenum">
               <a:rPr lang="zh-CN" altLang="en-US" smtClean="0"/>
               <a:t>‹#›</a:t>
             </a:fld>
@@ -3003,7 +3003,7 @@
     </p:spTree>
     <p:extLst>
       <p:ext uri="{BB962C8B-B14F-4D97-AF65-F5344CB8AC3E}">
-        <p14:creationId xmlns:p14="http://schemas.microsoft.com/office/powerpoint/2010/main" val="470197134"/>
+        <p14:creationId xmlns:p14="http://schemas.microsoft.com/office/powerpoint/2010/main" val="3257564166"/>
       </p:ext>
     </p:extLst>
   </p:cSld>
@@ -3323,7 +3323,7 @@
       </p:grpSpPr>
       <p:pic>
         <p:nvPicPr>
-          <p:cNvPr id="1169410" name="Picture 2" descr="1141"/>
+          <p:cNvPr id="1170434" name="Picture 2" descr="1142"/>
           <p:cNvPicPr>
             <a:picLocks noChangeAspect="1" noChangeArrowheads="1"/>
           </p:cNvPicPr>
@@ -3344,8 +3344,8 @@
         </p:blipFill>
         <p:spPr bwMode="auto">
           <a:xfrm>
-            <a:off x="1524000" y="0"/>
-            <a:ext cx="9144000" cy="6858000"/>
+            <a:off x="1524000" y="1"/>
+            <a:ext cx="9124950" cy="6843713"/>
           </a:xfrm>
           <a:prstGeom prst="rect">
             <a:avLst/>
@@ -3377,7 +3377,7 @@
       </p:pic>
       <p:pic>
         <p:nvPicPr>
-          <p:cNvPr id="1170435" name="Picture 3" descr="1141-2"/>
+          <p:cNvPr id="1171459" name="Picture 3" descr="1142-2"/>
           <p:cNvPicPr>
             <a:picLocks noChangeAspect="1" noChangeArrowheads="1"/>
           </p:cNvPicPr>
@@ -3398,8 +3398,8 @@
         </p:blipFill>
         <p:spPr bwMode="auto">
           <a:xfrm>
-            <a:off x="1524000" y="-14288"/>
-            <a:ext cx="9144000" cy="6872288"/>
+            <a:off x="1524000" y="0"/>
+            <a:ext cx="9144000" cy="6858000"/>
           </a:xfrm>
           <a:prstGeom prst="rect">
             <a:avLst/>
@@ -3478,7 +3478,7 @@
                                           </p:stCondLst>
                                         </p:cTn>
                                         <p:tgtEl>
-                                          <p:spTgt spid="1170435"/>
+                                          <p:spTgt spid="1171459"/>
                                         </p:tgtEl>
                                         <p:attrNameLst>
                                           <p:attrName>style.visibility</p:attrName>
@@ -3492,7 +3492,7 @@
                                       <p:cBhvr>
                                         <p:cTn id="7" dur="500"/>
                                         <p:tgtEl>
-                                          <p:spTgt spid="1170435"/>
+                                          <p:spTgt spid="1171459"/>
                                         </p:tgtEl>
                                       </p:cBhvr>
                                     </p:animEffect>
